--- a/Slides/C#/6. Control Flow/Control Flow.pptx
+++ b/Slides/C#/6. Control Flow/Control Flow.pptx
@@ -219,7 +219,7 @@
           <a:p>
             <a:fld id="{F032D6BB-809E-48C6-BD08-F9C24CEF57E6}" type="datetimeFigureOut">
               <a:rPr lang="en-US" smtClean="0"/>
-              <a:t>6/6/2023</a:t>
+              <a:t>11/23/2023</a:t>
             </a:fld>
             <a:endParaRPr lang="en-US"/>
           </a:p>
@@ -737,7 +737,7 @@
           <a:p>
             <a:fld id="{6D9868DE-73B6-4FC1-959F-CCDE785984CA}" type="datetimeFigureOut">
               <a:rPr lang="en-US" smtClean="0"/>
-              <a:t>6/6/2023</a:t>
+              <a:t>11/23/2023</a:t>
             </a:fld>
             <a:endParaRPr lang="en-US"/>
           </a:p>
@@ -935,7 +935,7 @@
           <a:p>
             <a:fld id="{6D9868DE-73B6-4FC1-959F-CCDE785984CA}" type="datetimeFigureOut">
               <a:rPr lang="en-US" smtClean="0"/>
-              <a:t>6/6/2023</a:t>
+              <a:t>11/23/2023</a:t>
             </a:fld>
             <a:endParaRPr lang="en-US"/>
           </a:p>
@@ -1143,7 +1143,7 @@
           <a:p>
             <a:fld id="{6D9868DE-73B6-4FC1-959F-CCDE785984CA}" type="datetimeFigureOut">
               <a:rPr lang="en-US" smtClean="0"/>
-              <a:t>6/6/2023</a:t>
+              <a:t>11/23/2023</a:t>
             </a:fld>
             <a:endParaRPr lang="en-US"/>
           </a:p>
@@ -2010,7 +2010,7 @@
           <a:p>
             <a:fld id="{6D9868DE-73B6-4FC1-959F-CCDE785984CA}" type="datetimeFigureOut">
               <a:rPr lang="en-US" smtClean="0"/>
-              <a:t>6/6/2023</a:t>
+              <a:t>11/23/2023</a:t>
             </a:fld>
             <a:endParaRPr lang="en-US"/>
           </a:p>
@@ -2285,7 +2285,7 @@
           <a:p>
             <a:fld id="{6D9868DE-73B6-4FC1-959F-CCDE785984CA}" type="datetimeFigureOut">
               <a:rPr lang="en-US" smtClean="0"/>
-              <a:t>6/6/2023</a:t>
+              <a:t>11/23/2023</a:t>
             </a:fld>
             <a:endParaRPr lang="en-US"/>
           </a:p>
@@ -2550,7 +2550,7 @@
           <a:p>
             <a:fld id="{6D9868DE-73B6-4FC1-959F-CCDE785984CA}" type="datetimeFigureOut">
               <a:rPr lang="en-US" smtClean="0"/>
-              <a:t>6/6/2023</a:t>
+              <a:t>11/23/2023</a:t>
             </a:fld>
             <a:endParaRPr lang="en-US"/>
           </a:p>
@@ -2962,7 +2962,7 @@
           <a:p>
             <a:fld id="{6D9868DE-73B6-4FC1-959F-CCDE785984CA}" type="datetimeFigureOut">
               <a:rPr lang="en-US" smtClean="0"/>
-              <a:t>6/6/2023</a:t>
+              <a:t>11/23/2023</a:t>
             </a:fld>
             <a:endParaRPr lang="en-US"/>
           </a:p>
@@ -3103,7 +3103,7 @@
           <a:p>
             <a:fld id="{6D9868DE-73B6-4FC1-959F-CCDE785984CA}" type="datetimeFigureOut">
               <a:rPr lang="en-US" smtClean="0"/>
-              <a:t>6/6/2023</a:t>
+              <a:t>11/23/2023</a:t>
             </a:fld>
             <a:endParaRPr lang="en-US"/>
           </a:p>
@@ -3216,7 +3216,7 @@
           <a:p>
             <a:fld id="{6D9868DE-73B6-4FC1-959F-CCDE785984CA}" type="datetimeFigureOut">
               <a:rPr lang="en-US" smtClean="0"/>
-              <a:t>6/6/2023</a:t>
+              <a:t>11/23/2023</a:t>
             </a:fld>
             <a:endParaRPr lang="en-US"/>
           </a:p>
@@ -3527,7 +3527,7 @@
           <a:p>
             <a:fld id="{6D9868DE-73B6-4FC1-959F-CCDE785984CA}" type="datetimeFigureOut">
               <a:rPr lang="en-US" smtClean="0"/>
-              <a:t>6/6/2023</a:t>
+              <a:t>11/23/2023</a:t>
             </a:fld>
             <a:endParaRPr lang="en-US"/>
           </a:p>
@@ -3815,7 +3815,7 @@
           <a:p>
             <a:fld id="{6D9868DE-73B6-4FC1-959F-CCDE785984CA}" type="datetimeFigureOut">
               <a:rPr lang="en-US" smtClean="0"/>
-              <a:t>6/6/2023</a:t>
+              <a:t>11/23/2023</a:t>
             </a:fld>
             <a:endParaRPr lang="en-US"/>
           </a:p>
@@ -4056,7 +4056,7 @@
           <a:p>
             <a:fld id="{6D9868DE-73B6-4FC1-959F-CCDE785984CA}" type="datetimeFigureOut">
               <a:rPr lang="en-US" smtClean="0"/>
-              <a:t>6/6/2023</a:t>
+              <a:t>11/23/2023</a:t>
             </a:fld>
             <a:endParaRPr lang="en-US"/>
           </a:p>
@@ -30802,15 +30802,6 @@
 </file>
 
 <file path=customXml/item2.xml><?xml version="1.0" encoding="utf-8"?>
-<?mso-contentType ?>
-<FormTemplates xmlns="http://schemas.microsoft.com/sharepoint/v3/contenttype/forms">
-  <Display>DocumentLibraryForm</Display>
-  <Edit>DocumentLibraryForm</Edit>
-  <New>DocumentLibraryForm</New>
-</FormTemplates>
-</file>
-
-<file path=customXml/item3.xml><?xml version="1.0" encoding="utf-8"?>
 <p:properties xmlns:p="http://schemas.microsoft.com/office/2006/metadata/properties" xmlns:xsi="http://www.w3.org/2001/XMLSchema-instance" xmlns:pc="http://schemas.microsoft.com/office/infopath/2007/PartnerControls">
   <documentManagement>
     <MigrationWizIdVersion xmlns="b2463319-f063-494d-be28-0864aafcbfaf" xsi:nil="true"/>
@@ -30819,6 +30810,15 @@
     <MigrationWizId xmlns="b2463319-f063-494d-be28-0864aafcbfaf" xsi:nil="true"/>
   </documentManagement>
 </p:properties>
+</file>
+
+<file path=customXml/item3.xml><?xml version="1.0" encoding="utf-8"?>
+<?mso-contentType ?>
+<FormTemplates xmlns="http://schemas.microsoft.com/sharepoint/v3/contenttype/forms">
+  <Display>DocumentLibraryForm</Display>
+  <Edit>DocumentLibraryForm</Edit>
+  <New>DocumentLibraryForm</New>
+</FormTemplates>
 </file>
 
 <file path=customXml/itemProps1.xml><?xml version="1.0" encoding="utf-8"?>
@@ -30841,14 +30841,6 @@
 </file>
 
 <file path=customXml/itemProps2.xml><?xml version="1.0" encoding="utf-8"?>
-<ds:datastoreItem xmlns:ds="http://schemas.openxmlformats.org/officeDocument/2006/customXml" ds:itemID="{3DA09E55-07E3-4B96-80C1-B81AA4C2395D}">
-  <ds:schemaRefs>
-    <ds:schemaRef ds:uri="http://schemas.microsoft.com/sharepoint/v3/contenttype/forms"/>
-  </ds:schemaRefs>
-</ds:datastoreItem>
-</file>
-
-<file path=customXml/itemProps3.xml><?xml version="1.0" encoding="utf-8"?>
 <ds:datastoreItem xmlns:ds="http://schemas.openxmlformats.org/officeDocument/2006/customXml" ds:itemID="{952AA5A4-E269-4899-862A-127C1A8BCCA6}">
   <ds:schemaRefs>
     <ds:schemaRef ds:uri="http://purl.org/dc/elements/1.1/"/>
@@ -30863,4 +30855,12 @@
     <ds:schemaRef ds:uri="b2463319-f063-494d-be28-0864aafcbfaf"/>
   </ds:schemaRefs>
 </ds:datastoreItem>
+</file>
+
+<file path=customXml/itemProps3.xml><?xml version="1.0" encoding="utf-8"?>
+<ds:datastoreItem xmlns:ds="http://schemas.openxmlformats.org/officeDocument/2006/customXml" ds:itemID="{3DA09E55-07E3-4B96-80C1-B81AA4C2395D}">
+  <ds:schemaRefs>
+    <ds:schemaRef ds:uri="http://schemas.microsoft.com/sharepoint/v3/contenttype/forms"/>
+  </ds:schemaRefs>
+</ds:datastoreItem>
 </file>